--- a/(1017)旺欉分析記錄(1021修).pptx
+++ b/(1017)旺欉分析記錄(1021修).pptx
@@ -246,7 +246,7 @@
           <a:p>
             <a:fld id="{05BF5AB9-3463-4E65-AFD3-5431B79ADFDC}" type="datetimeFigureOut">
               <a:rPr lang="zh-TW" altLang="en-US" smtClean="0"/>
-              <a:t>2022/10/21</a:t>
+              <a:t>2022/10/26</a:t>
             </a:fld>
             <a:endParaRPr lang="zh-TW" altLang="en-US"/>
           </a:p>
@@ -406,7 +406,7 @@
           <a:p>
             <a:fld id="{838FF680-7B6B-4655-B6A1-33A8AD0AE8B4}" type="datetimeFigureOut">
               <a:rPr lang="zh-TW" altLang="en-US" smtClean="0"/>
-              <a:t>2022/10/21</a:t>
+              <a:t>2022/10/26</a:t>
             </a:fld>
             <a:endParaRPr lang="zh-TW" altLang="en-US"/>
           </a:p>
@@ -4886,11 +4886,6 @@
               </a:rPr>
               <a:t>錠</a:t>
             </a:r>
-            <a:endParaRPr lang="zh-TW" altLang="en-US" b="1" dirty="0" smtClean="0">
-              <a:solidFill>
-                <a:srgbClr val="609ADA"/>
-              </a:solidFill>
-            </a:endParaRPr>
           </a:p>
         </p:txBody>
       </p:sp>
@@ -4986,13 +4981,6 @@
               </a:rPr>
               <a:t>錠與前幾錠，較難發現有較大的不同之處</a:t>
             </a:r>
-            <a:endParaRPr lang="zh-TW" altLang="en-US" b="1" dirty="0" smtClean="0">
-              <a:solidFill>
-                <a:schemeClr val="tx1">
-                  <a:lumMod val="75000"/>
-                </a:schemeClr>
-              </a:solidFill>
-            </a:endParaRPr>
           </a:p>
         </p:txBody>
       </p:sp>
@@ -5299,13 +5287,6 @@
               </a:rPr>
               <a:t>的情況</a:t>
             </a:r>
-            <a:endParaRPr lang="zh-TW" altLang="en-US" b="1" dirty="0" smtClean="0">
-              <a:solidFill>
-                <a:schemeClr val="tx1">
-                  <a:lumMod val="75000"/>
-                </a:schemeClr>
-              </a:solidFill>
-            </a:endParaRPr>
           </a:p>
         </p:txBody>
       </p:sp>
@@ -5355,11 +5336,6 @@
               </a:rPr>
               <a:t>錠</a:t>
             </a:r>
-            <a:endParaRPr lang="zh-TW" altLang="en-US" b="1" dirty="0" smtClean="0">
-              <a:solidFill>
-                <a:srgbClr val="609ADA"/>
-              </a:solidFill>
-            </a:endParaRPr>
           </a:p>
         </p:txBody>
       </p:sp>
@@ -9499,17 +9475,7 @@
                   </a:schemeClr>
                 </a:solidFill>
               </a:rPr>
-              <a:t>度</a:t>
-            </a:r>
-            <a:r>
-              <a:rPr lang="zh-TW" altLang="en-US" b="1" dirty="0" smtClean="0">
-                <a:solidFill>
-                  <a:schemeClr val="tx1">
-                    <a:lumMod val="75000"/>
-                  </a:schemeClr>
-                </a:solidFill>
-              </a:rPr>
-              <a:t>後換模，而在</a:t>
+              <a:t>度後換模，而在</a:t>
             </a:r>
             <a:r>
               <a:rPr lang="en-US" altLang="zh-TW" b="1" dirty="0" smtClean="0">
@@ -9710,11 +9676,6 @@
               </a:rPr>
               <a:t>錠</a:t>
             </a:r>
-            <a:endParaRPr lang="zh-TW" altLang="en-US" b="1" dirty="0" smtClean="0">
-              <a:solidFill>
-                <a:srgbClr val="609ADA"/>
-              </a:solidFill>
-            </a:endParaRPr>
           </a:p>
         </p:txBody>
       </p:sp>
